--- a/Superhero Project.pptx
+++ b/Superhero Project.pptx
@@ -265,7 +265,7 @@
           <a:p>
             <a:fld id="{48A87A34-81AB-432B-8DAE-1953F412C126}" type="datetimeFigureOut">
               <a:rPr lang="en-US" smtClean="0"/>
-              <a:t>10/9/2018</a:t>
+              <a:t>10/29/2018</a:t>
             </a:fld>
             <a:endParaRPr lang="en-US" dirty="0"/>
           </a:p>
@@ -463,7 +463,7 @@
           <a:p>
             <a:fld id="{48A87A34-81AB-432B-8DAE-1953F412C126}" type="datetimeFigureOut">
               <a:rPr lang="en-US" smtClean="0"/>
-              <a:t>10/9/2018</a:t>
+              <a:t>10/29/2018</a:t>
             </a:fld>
             <a:endParaRPr lang="en-US" dirty="0"/>
           </a:p>
@@ -671,7 +671,7 @@
           <a:p>
             <a:fld id="{48A87A34-81AB-432B-8DAE-1953F412C126}" type="datetimeFigureOut">
               <a:rPr lang="en-US" smtClean="0"/>
-              <a:t>10/9/2018</a:t>
+              <a:t>10/29/2018</a:t>
             </a:fld>
             <a:endParaRPr lang="en-US" dirty="0"/>
           </a:p>
@@ -869,7 +869,7 @@
           <a:p>
             <a:fld id="{48A87A34-81AB-432B-8DAE-1953F412C126}" type="datetimeFigureOut">
               <a:rPr lang="en-US" smtClean="0"/>
-              <a:t>10/9/2018</a:t>
+              <a:t>10/29/2018</a:t>
             </a:fld>
             <a:endParaRPr lang="en-US" dirty="0"/>
           </a:p>
@@ -1144,7 +1144,7 @@
           <a:p>
             <a:fld id="{48A87A34-81AB-432B-8DAE-1953F412C126}" type="datetimeFigureOut">
               <a:rPr lang="en-US" smtClean="0"/>
-              <a:t>10/9/2018</a:t>
+              <a:t>10/29/2018</a:t>
             </a:fld>
             <a:endParaRPr lang="en-US" dirty="0"/>
           </a:p>
@@ -1409,7 +1409,7 @@
           <a:p>
             <a:fld id="{48A87A34-81AB-432B-8DAE-1953F412C126}" type="datetimeFigureOut">
               <a:rPr lang="en-US" smtClean="0"/>
-              <a:t>10/9/2018</a:t>
+              <a:t>10/29/2018</a:t>
             </a:fld>
             <a:endParaRPr lang="en-US" dirty="0"/>
           </a:p>
@@ -1821,7 +1821,7 @@
           <a:p>
             <a:fld id="{48A87A34-81AB-432B-8DAE-1953F412C126}" type="datetimeFigureOut">
               <a:rPr lang="en-US" smtClean="0"/>
-              <a:t>10/9/2018</a:t>
+              <a:t>10/29/2018</a:t>
             </a:fld>
             <a:endParaRPr lang="en-US" dirty="0"/>
           </a:p>
@@ -1962,7 +1962,7 @@
           <a:p>
             <a:fld id="{48A87A34-81AB-432B-8DAE-1953F412C126}" type="datetimeFigureOut">
               <a:rPr lang="en-US" smtClean="0"/>
-              <a:t>10/9/2018</a:t>
+              <a:t>10/29/2018</a:t>
             </a:fld>
             <a:endParaRPr lang="en-US" dirty="0"/>
           </a:p>
@@ -2075,7 +2075,7 @@
           <a:p>
             <a:fld id="{48A87A34-81AB-432B-8DAE-1953F412C126}" type="datetimeFigureOut">
               <a:rPr lang="en-US" smtClean="0"/>
-              <a:t>10/9/2018</a:t>
+              <a:t>10/29/2018</a:t>
             </a:fld>
             <a:endParaRPr lang="en-US" dirty="0"/>
           </a:p>
@@ -2386,7 +2386,7 @@
           <a:p>
             <a:fld id="{48A87A34-81AB-432B-8DAE-1953F412C126}" type="datetimeFigureOut">
               <a:rPr lang="en-US" smtClean="0"/>
-              <a:t>10/9/2018</a:t>
+              <a:t>10/29/2018</a:t>
             </a:fld>
             <a:endParaRPr lang="en-US" dirty="0"/>
           </a:p>
@@ -2675,7 +2675,7 @@
             <a:fld id="{48A87A34-81AB-432B-8DAE-1953F412C126}" type="datetimeFigureOut">
               <a:rPr lang="en-US" smtClean="0"/>
               <a:pPr/>
-              <a:t>10/9/2018</a:t>
+              <a:t>10/29/2018</a:t>
             </a:fld>
             <a:endParaRPr lang="en-US" dirty="0"/>
           </a:p>
@@ -2926,7 +2926,7 @@
             <a:fld id="{48A87A34-81AB-432B-8DAE-1953F412C126}" type="datetimeFigureOut">
               <a:rPr lang="en-US" smtClean="0"/>
               <a:pPr/>
-              <a:t>10/9/2018</a:t>
+              <a:t>10/29/2018</a:t>
             </a:fld>
             <a:endParaRPr lang="en-US" dirty="0"/>
           </a:p>
@@ -3970,7 +3970,7 @@
                 <a:solidFill>
                   <a:schemeClr val="bg1"/>
                 </a:solidFill>
-                <a:hlinkClick r:id="rId2">
+                <a:hlinkClick r:id="rId3">
                   <a:extLst>
                     <a:ext uri="{A12FA001-AC4F-418D-AE19-62706E023703}">
                       <ahyp:hlinkClr xmlns:ahyp="http://schemas.microsoft.com/office/drawing/2018/hyperlinkcolor" val="tx"/>
@@ -4020,10 +4020,10 @@
       </p:grpSpPr>
       <p:sp>
         <p:nvSpPr>
-          <p:cNvPr id="2" name="Title 1">
-            <a:extLst>
-              <a:ext uri="{FF2B5EF4-FFF2-40B4-BE49-F238E27FC236}">
-                <a16:creationId xmlns:a16="http://schemas.microsoft.com/office/drawing/2014/main" id="{F724B75F-C7A6-4213-A93E-5202064266AE}"/>
+          <p:cNvPr id="6" name="Title 5">
+            <a:extLst>
+              <a:ext uri="{FF2B5EF4-FFF2-40B4-BE49-F238E27FC236}">
+                <a16:creationId xmlns:a16="http://schemas.microsoft.com/office/drawing/2014/main" id="{8C6F7E45-0064-4D4C-8FBF-1AC1DEDF545C}"/>
               </a:ext>
             </a:extLst>
           </p:cNvPr>
@@ -4047,15 +4047,16 @@
               </a:rPr>
               <a:t>Methodologies &amp; Technologies used - Tony</a:t>
             </a:r>
-          </a:p>
-        </p:txBody>
-      </p:sp>
-      <p:sp>
-        <p:nvSpPr>
-          <p:cNvPr id="3" name="Content Placeholder 2">
-            <a:extLst>
-              <a:ext uri="{FF2B5EF4-FFF2-40B4-BE49-F238E27FC236}">
-                <a16:creationId xmlns:a16="http://schemas.microsoft.com/office/drawing/2014/main" id="{2492BC7D-E9B3-4A41-BA5D-10DDE601F010}"/>
+            <a:endParaRPr lang="en-US" dirty="0"/>
+          </a:p>
+        </p:txBody>
+      </p:sp>
+      <p:sp>
+        <p:nvSpPr>
+          <p:cNvPr id="8" name="Content Placeholder 7">
+            <a:extLst>
+              <a:ext uri="{FF2B5EF4-FFF2-40B4-BE49-F238E27FC236}">
+                <a16:creationId xmlns:a16="http://schemas.microsoft.com/office/drawing/2014/main" id="{AD7258DF-D233-4252-ADBF-A392C5EEA841}"/>
               </a:ext>
             </a:extLst>
           </p:cNvPr>
@@ -4068,93 +4069,132 @@
         </p:nvSpPr>
         <p:spPr/>
         <p:txBody>
-          <a:bodyPr>
-            <a:normAutofit fontScale="92500" lnSpcReduction="10000"/>
+          <a:bodyPr numCol="2">
+            <a:normAutofit fontScale="77500" lnSpcReduction="20000"/>
           </a:bodyPr>
           <a:lstStyle/>
           <a:p>
+            <a:r>
+              <a:rPr lang="en-US" sz="3600" dirty="0">
+                <a:solidFill>
+                  <a:schemeClr val="bg1"/>
+                </a:solidFill>
+              </a:rPr>
+              <a:t>Twitter Bootstrap Framework</a:t>
+            </a:r>
+          </a:p>
+          <a:p>
+            <a:pPr lvl="1"/>
+            <a:r>
+              <a:rPr lang="en-US" sz="2300" dirty="0">
+                <a:solidFill>
+                  <a:schemeClr val="bg1"/>
+                </a:solidFill>
+              </a:rPr>
+              <a:t>User friendly</a:t>
+            </a:r>
+          </a:p>
+          <a:p>
+            <a:pPr lvl="1"/>
+            <a:r>
+              <a:rPr lang="en-US" sz="2300" dirty="0">
+                <a:solidFill>
+                  <a:schemeClr val="bg1"/>
+                </a:solidFill>
+              </a:rPr>
+              <a:t>Responsive Application</a:t>
+            </a:r>
+          </a:p>
+          <a:p>
+            <a:r>
+              <a:rPr lang="en-US" sz="3600" dirty="0">
+                <a:solidFill>
+                  <a:schemeClr val="bg1"/>
+                </a:solidFill>
+              </a:rPr>
+              <a:t>Bootstrap Slider Component</a:t>
+            </a:r>
+          </a:p>
+          <a:p>
+            <a:pPr lvl="1"/>
+            <a:r>
+              <a:rPr lang="en-US" sz="2300" dirty="0">
+                <a:solidFill>
+                  <a:schemeClr val="bg1"/>
+                </a:solidFill>
+              </a:rPr>
+              <a:t>Except user personality input</a:t>
+            </a:r>
+          </a:p>
+          <a:p>
+            <a:r>
+              <a:rPr lang="en-US" sz="3600" dirty="0">
+                <a:solidFill>
+                  <a:schemeClr val="bg1"/>
+                </a:solidFill>
+              </a:rPr>
+              <a:t>JavaScript</a:t>
+            </a:r>
+          </a:p>
+          <a:p>
+            <a:pPr lvl="1"/>
+            <a:r>
+              <a:rPr lang="en-US" sz="2300" dirty="0">
+                <a:solidFill>
+                  <a:schemeClr val="bg1"/>
+                </a:solidFill>
+              </a:rPr>
+              <a:t>Convert image to base64</a:t>
+            </a:r>
+          </a:p>
+          <a:p>
+            <a:r>
+              <a:rPr lang="en-US" sz="3600" dirty="0">
+                <a:solidFill>
+                  <a:schemeClr val="bg1"/>
+                </a:solidFill>
+              </a:rPr>
+              <a:t>jQuery Library</a:t>
+            </a:r>
+          </a:p>
+          <a:p>
+            <a:pPr lvl="1"/>
+            <a:r>
+              <a:rPr lang="en-US" sz="2300" dirty="0">
+                <a:solidFill>
+                  <a:schemeClr val="bg1"/>
+                </a:solidFill>
+              </a:rPr>
+              <a:t>Create HTML elements </a:t>
+            </a:r>
+          </a:p>
+          <a:p>
+            <a:pPr lvl="1"/>
+            <a:r>
+              <a:rPr lang="en-US" sz="2300" dirty="0">
+                <a:solidFill>
+                  <a:schemeClr val="bg1"/>
+                </a:solidFill>
+              </a:rPr>
+              <a:t>Event detection</a:t>
+            </a:r>
+          </a:p>
+          <a:p>
+            <a:pPr lvl="1"/>
+            <a:r>
+              <a:rPr lang="en-US" sz="2300" dirty="0">
+                <a:solidFill>
+                  <a:schemeClr val="bg1"/>
+                </a:solidFill>
+              </a:rPr>
+              <a:t>AJAX HTTP requests</a:t>
+            </a:r>
+          </a:p>
+          <a:p>
             <a:pPr marL="0" indent="0">
               <a:buNone/>
             </a:pPr>
-            <a:r>
-              <a:rPr lang="en-US" dirty="0">
-                <a:solidFill>
-                  <a:schemeClr val="bg1"/>
-                </a:solidFill>
-              </a:rPr>
-              <a:t>APIs:</a:t>
-            </a:r>
-          </a:p>
-          <a:p>
-            <a:pPr lvl="1"/>
-            <a:r>
-              <a:rPr lang="en-US" dirty="0">
-                <a:solidFill>
-                  <a:schemeClr val="bg1"/>
-                </a:solidFill>
-              </a:rPr>
-              <a:t>Superhero API</a:t>
-            </a:r>
-          </a:p>
-          <a:p>
-            <a:pPr lvl="1"/>
-            <a:r>
-              <a:rPr lang="en-US" dirty="0">
-                <a:solidFill>
-                  <a:schemeClr val="bg1"/>
-                </a:solidFill>
-              </a:rPr>
-              <a:t>Face++ API</a:t>
-            </a:r>
-          </a:p>
-          <a:p>
-            <a:pPr marL="0" indent="0">
-              <a:buNone/>
-            </a:pPr>
-            <a:r>
-              <a:rPr lang="en-US" sz="3000" dirty="0">
-                <a:solidFill>
-                  <a:schemeClr val="bg1"/>
-                </a:solidFill>
-              </a:rPr>
-              <a:t>Libraries:</a:t>
-            </a:r>
-          </a:p>
-          <a:p>
-            <a:pPr lvl="1"/>
-            <a:r>
-              <a:rPr lang="en-US" dirty="0">
-                <a:solidFill>
-                  <a:schemeClr val="bg1"/>
-                </a:solidFill>
-              </a:rPr>
-              <a:t>Bootstrap –Forms, card, modal</a:t>
-            </a:r>
-          </a:p>
-          <a:p>
-            <a:pPr lvl="1"/>
-            <a:r>
-              <a:rPr lang="en-US" dirty="0">
-                <a:solidFill>
-                  <a:schemeClr val="bg1"/>
-                </a:solidFill>
-              </a:rPr>
-              <a:t>Bootstrap Slider </a:t>
-            </a:r>
-          </a:p>
-          <a:p>
-            <a:pPr lvl="1"/>
-            <a:r>
-              <a:rPr lang="en-US" dirty="0">
-                <a:solidFill>
-                  <a:schemeClr val="bg1"/>
-                </a:solidFill>
-              </a:rPr>
-              <a:t>jQuery</a:t>
-            </a:r>
-          </a:p>
-          <a:p>
-            <a:endParaRPr lang="en-US" sz="2400" dirty="0">
+            <a:endParaRPr lang="en-US" sz="3600" dirty="0">
               <a:solidFill>
                 <a:schemeClr val="bg1"/>
               </a:solidFill>
@@ -4164,43 +4204,143 @@
             <a:pPr marL="0" indent="0">
               <a:buNone/>
             </a:pPr>
-            <a:r>
-              <a:rPr lang="en-US" sz="2400" dirty="0">
-                <a:solidFill>
-                  <a:schemeClr val="bg1"/>
-                </a:solidFill>
-              </a:rPr>
-              <a:t>Google Firebase</a:t>
-            </a:r>
-          </a:p>
-          <a:p>
-            <a:pPr marL="0" indent="0">
-              <a:buNone/>
-            </a:pPr>
-            <a:r>
-              <a:rPr lang="en-US" sz="2400" dirty="0">
-                <a:solidFill>
-                  <a:schemeClr val="bg1"/>
-                </a:solidFill>
-              </a:rPr>
-              <a:t>HTML</a:t>
-            </a:r>
-          </a:p>
-          <a:p>
-            <a:pPr marL="0" indent="0">
-              <a:buNone/>
-            </a:pPr>
-            <a:r>
-              <a:rPr lang="en-US" sz="2400" dirty="0">
-                <a:solidFill>
-                  <a:schemeClr val="bg1"/>
-                </a:solidFill>
-              </a:rPr>
-              <a:t>CSS</a:t>
-            </a:r>
-          </a:p>
-          <a:p>
-            <a:endParaRPr lang="en-US" dirty="0"/>
+            <a:endParaRPr lang="en-US" sz="3600" dirty="0">
+              <a:solidFill>
+                <a:schemeClr val="bg1"/>
+              </a:solidFill>
+            </a:endParaRPr>
+          </a:p>
+          <a:p>
+            <a:r>
+              <a:rPr lang="en-US" sz="3600" dirty="0">
+                <a:solidFill>
+                  <a:schemeClr val="bg1"/>
+                </a:solidFill>
+              </a:rPr>
+              <a:t>Face++ API</a:t>
+            </a:r>
+          </a:p>
+          <a:p>
+            <a:pPr lvl="1"/>
+            <a:r>
+              <a:rPr lang="en-US" sz="2300" dirty="0">
+                <a:solidFill>
+                  <a:schemeClr val="bg1"/>
+                </a:solidFill>
+              </a:rPr>
+              <a:t>Analyze uploaded image</a:t>
+            </a:r>
+          </a:p>
+          <a:p>
+            <a:pPr lvl="1"/>
+            <a:r>
+              <a:rPr lang="en-US" sz="2300" dirty="0">
+                <a:solidFill>
+                  <a:schemeClr val="bg1"/>
+                </a:solidFill>
+              </a:rPr>
+              <a:t>Identify user age and gender</a:t>
+            </a:r>
+          </a:p>
+          <a:p>
+            <a:r>
+              <a:rPr lang="en-US" sz="3600" dirty="0">
+                <a:solidFill>
+                  <a:schemeClr val="bg1"/>
+                </a:solidFill>
+              </a:rPr>
+              <a:t>Superhero API</a:t>
+            </a:r>
+          </a:p>
+          <a:p>
+            <a:pPr lvl="1"/>
+            <a:r>
+              <a:rPr lang="en-US" sz="2300" dirty="0">
+                <a:solidFill>
+                  <a:schemeClr val="bg1"/>
+                </a:solidFill>
+              </a:rPr>
+              <a:t>Cycle through a list of 700+ heroes</a:t>
+            </a:r>
+          </a:p>
+          <a:p>
+            <a:pPr lvl="1"/>
+            <a:r>
+              <a:rPr lang="en-US" sz="2300" dirty="0">
+                <a:solidFill>
+                  <a:schemeClr val="bg1"/>
+                </a:solidFill>
+              </a:rPr>
+              <a:t>Retrieve hero statistics based on gender</a:t>
+            </a:r>
+          </a:p>
+          <a:p>
+            <a:r>
+              <a:rPr lang="en-US" sz="3600" dirty="0">
+                <a:solidFill>
+                  <a:schemeClr val="bg1"/>
+                </a:solidFill>
+              </a:rPr>
+              <a:t>Google Firebase Database</a:t>
+            </a:r>
+          </a:p>
+          <a:p>
+            <a:pPr lvl="1"/>
+            <a:r>
+              <a:rPr lang="en-US" sz="2300" dirty="0">
+                <a:solidFill>
+                  <a:schemeClr val="bg1"/>
+                </a:solidFill>
+              </a:rPr>
+              <a:t>Store users and hero statistics</a:t>
+            </a:r>
+          </a:p>
+          <a:p>
+            <a:pPr lvl="1"/>
+            <a:r>
+              <a:rPr lang="en-US" sz="2300" dirty="0">
+                <a:solidFill>
+                  <a:schemeClr val="bg1"/>
+                </a:solidFill>
+              </a:rPr>
+              <a:t>Retrieve user and hero statics</a:t>
+            </a:r>
+          </a:p>
+          <a:p>
+            <a:r>
+              <a:rPr lang="en-US" sz="3600" dirty="0">
+                <a:solidFill>
+                  <a:schemeClr val="bg1"/>
+                </a:solidFill>
+              </a:rPr>
+              <a:t>Chart.js Library</a:t>
+            </a:r>
+          </a:p>
+          <a:p>
+            <a:pPr lvl="1"/>
+            <a:r>
+              <a:rPr lang="en-US" sz="2300" dirty="0">
+                <a:solidFill>
+                  <a:schemeClr val="bg1"/>
+                </a:solidFill>
+              </a:rPr>
+              <a:t>Display Radar Chart</a:t>
+            </a:r>
+          </a:p>
+          <a:p>
+            <a:pPr lvl="1"/>
+            <a:r>
+              <a:rPr lang="en-US" sz="2300" dirty="0">
+                <a:solidFill>
+                  <a:schemeClr val="bg1"/>
+                </a:solidFill>
+              </a:rPr>
+              <a:t>Compare user and matching hero statics</a:t>
+            </a:r>
+            <a:endParaRPr lang="en-US" sz="3600" dirty="0"/>
+          </a:p>
+          <a:p>
+            <a:endParaRPr lang="en-US" sz="1600" dirty="0"/>
           </a:p>
         </p:txBody>
       </p:sp>

--- a/Superhero Project.pptx
+++ b/Superhero Project.pptx
@@ -3755,57 +3755,126 @@
         <p:spPr/>
         <p:txBody>
           <a:bodyPr>
-            <a:normAutofit/>
+            <a:normAutofit lnSpcReduction="10000"/>
           </a:bodyPr>
           <a:lstStyle/>
           <a:p>
             <a:r>
-              <a:rPr lang="en-US" dirty="0">
-                <a:solidFill>
-                  <a:schemeClr val="bg1"/>
-                </a:solidFill>
-              </a:rPr>
-              <a:t>Form that displays survey questions used to identify user traits.</a:t>
-            </a:r>
-          </a:p>
-          <a:p>
-            <a:r>
-              <a:rPr lang="en-US" dirty="0">
-                <a:solidFill>
-                  <a:schemeClr val="bg1"/>
-                </a:solidFill>
-              </a:rPr>
-              <a:t>Survey results should be used to determine the closet super hero that matches the user's traits.</a:t>
-            </a:r>
-          </a:p>
-          <a:p>
-            <a:r>
-              <a:rPr lang="en-US" dirty="0">
-                <a:solidFill>
-                  <a:schemeClr val="bg1"/>
-                </a:solidFill>
-              </a:rPr>
-              <a:t>Form should be removed after input submitted.</a:t>
-            </a:r>
-          </a:p>
-          <a:p>
-            <a:r>
-              <a:rPr lang="en-US" dirty="0">
-                <a:solidFill>
-                  <a:schemeClr val="bg1"/>
-                </a:solidFill>
-              </a:rPr>
-              <a:t>Results screen should be displayed with superhero picture along with common user and hero traits.</a:t>
-            </a:r>
-          </a:p>
-          <a:p>
-            <a:r>
-              <a:rPr lang="en-US" dirty="0">
-                <a:solidFill>
-                  <a:schemeClr val="bg1"/>
-                </a:solidFill>
-              </a:rPr>
-              <a:t>User name, superhero match, and traits should be stored in firebase database and displayed for all users.</a:t>
+              <a:rPr lang="en-US" sz="3200" dirty="0">
+                <a:solidFill>
+                  <a:schemeClr val="bg1"/>
+                </a:solidFill>
+              </a:rPr>
+              <a:t>Brainstorming Session</a:t>
+            </a:r>
+          </a:p>
+          <a:p>
+            <a:r>
+              <a:rPr lang="en-US" sz="3200" dirty="0">
+                <a:solidFill>
+                  <a:schemeClr val="bg1"/>
+                </a:solidFill>
+              </a:rPr>
+              <a:t>API Research</a:t>
+            </a:r>
+          </a:p>
+          <a:p>
+            <a:r>
+              <a:rPr lang="en-US" sz="3200" dirty="0">
+                <a:solidFill>
+                  <a:schemeClr val="bg1"/>
+                </a:solidFill>
+              </a:rPr>
+              <a:t>Bootstrap 4 for Responsive Design </a:t>
+            </a:r>
+          </a:p>
+          <a:p>
+            <a:r>
+              <a:rPr lang="en-US" sz="3200" dirty="0">
+                <a:solidFill>
+                  <a:schemeClr val="bg1"/>
+                </a:solidFill>
+              </a:rPr>
+              <a:t>Pseudo Code:</a:t>
+            </a:r>
+          </a:p>
+          <a:p>
+            <a:pPr lvl="1"/>
+            <a:r>
+              <a:rPr lang="en-US" sz="2800" dirty="0">
+                <a:solidFill>
+                  <a:schemeClr val="bg1"/>
+                </a:solidFill>
+              </a:rPr>
+              <a:t>Map survey personality questions to superhero traits.</a:t>
+            </a:r>
+          </a:p>
+          <a:p>
+            <a:pPr lvl="1"/>
+            <a:r>
+              <a:rPr lang="en-US" sz="2800" dirty="0">
+                <a:solidFill>
+                  <a:schemeClr val="bg1"/>
+                </a:solidFill>
+              </a:rPr>
+              <a:t>Accept user input, via form an sliders.</a:t>
+            </a:r>
+          </a:p>
+          <a:p>
+            <a:pPr lvl="1"/>
+            <a:r>
+              <a:rPr lang="en-US" sz="2800" dirty="0" err="1">
+                <a:solidFill>
+                  <a:schemeClr val="bg1"/>
+                </a:solidFill>
+              </a:rPr>
+              <a:t>SuperHero</a:t>
+            </a:r>
+            <a:r>
+              <a:rPr lang="en-US" sz="2800" dirty="0">
+                <a:solidFill>
+                  <a:schemeClr val="bg1"/>
+                </a:solidFill>
+              </a:rPr>
+              <a:t> Match Algorithm</a:t>
+            </a:r>
+          </a:p>
+          <a:p>
+            <a:pPr lvl="1"/>
+            <a:r>
+              <a:rPr lang="en-US" sz="2800" dirty="0">
+                <a:solidFill>
+                  <a:schemeClr val="bg1"/>
+                </a:solidFill>
+              </a:rPr>
+              <a:t>Store </a:t>
+            </a:r>
+            <a:r>
+              <a:rPr lang="en-US" sz="2800" dirty="0" err="1">
+                <a:solidFill>
+                  <a:schemeClr val="bg1"/>
+                </a:solidFill>
+              </a:rPr>
+              <a:t>SuperHero</a:t>
+            </a:r>
+            <a:r>
+              <a:rPr lang="en-US" sz="2800" dirty="0">
+                <a:solidFill>
+                  <a:schemeClr val="bg1"/>
+                </a:solidFill>
+              </a:rPr>
+              <a:t> API and Face++ traits in firebase database.</a:t>
+            </a:r>
+          </a:p>
+          <a:p>
+            <a:pPr lvl="1"/>
+            <a:r>
+              <a:rPr lang="en-US" sz="2800" dirty="0">
+                <a:solidFill>
+                  <a:schemeClr val="bg1"/>
+                </a:solidFill>
+              </a:rPr>
+              <a:t>Display all user matches.</a:t>
             </a:r>
           </a:p>
         </p:txBody>
